--- a/ポートフォリオ_課題抽出.pptx
+++ b/ポートフォリオ_課題抽出.pptx
@@ -29092,7 +29092,7 @@
           <p:nvPr>
             <p:extLst>
               <p:ext uri="{D42A27DB-BD31-4B8C-83A1-F6EECF244321}">
-                <p14:modId xmlns:p14="http://schemas.microsoft.com/office/powerpoint/2010/main" val="3743205878"/>
+                <p14:modId xmlns:p14="http://schemas.microsoft.com/office/powerpoint/2010/main" val="3488604534"/>
               </p:ext>
             </p:extLst>
           </p:nvPr>
@@ -30089,7 +30089,29 @@
                           <a:latin typeface="Hiragino Kaku Gothic Pro W3" panose="020B0300000000000000" pitchFamily="34" charset="-128"/>
                           <a:ea typeface="Hiragino Kaku Gothic Pro W3" panose="020B0300000000000000" pitchFamily="34" charset="-128"/>
                         </a:rPr>
-                        <a:t>ソースコード：）</a:t>
+                        <a:t>ソースコード：</a:t>
+                      </a:r>
+                      <a:r>
+                        <a:rPr lang="en-US" altLang="ja-JP" sz="1400" dirty="0">
+                          <a:hlinkClick r:id="rId2"/>
+                        </a:rPr>
+                        <a:t>https://github.com/ksk-portfolio/</a:t>
+                      </a:r>
+                      <a:r>
+                        <a:rPr lang="en-US" altLang="ja-JP" sz="1400">
+                          <a:hlinkClick r:id="rId2"/>
+                        </a:rPr>
+                        <a:t>data_analytics</a:t>
+                      </a:r>
+                      <a:r>
+                        <a:rPr kumimoji="1" lang="ja-JP" altLang="en-US" sz="1400" b="0">
+                          <a:solidFill>
+                            <a:schemeClr val="tx1"/>
+                          </a:solidFill>
+                          <a:latin typeface="Hiragino Kaku Gothic Pro W3" panose="020B0300000000000000" pitchFamily="34" charset="-128"/>
+                          <a:ea typeface="Hiragino Kaku Gothic Pro W3" panose="020B0300000000000000" pitchFamily="34" charset="-128"/>
+                        </a:rPr>
+                        <a:t>）</a:t>
                       </a:r>
                       <a:endParaRPr kumimoji="1" lang="en-US" altLang="ja-JP" sz="1400" b="0" dirty="0">
                         <a:solidFill>
